--- a/TNSDC Gen AI PPT.pptx
+++ b/TNSDC Gen AI PPT.pptx
@@ -2095,7 +2095,7 @@
                 <a:latin typeface="Trebuchet MS"/>
                 <a:cs typeface="Trebuchet MS"/>
               </a:rPr>
-              <a:t>NAME: RISHIKAANDH DEVADOSS</a:t>
+              <a:t>NAME:RISHIKAANDH DEVADOSS</a:t>
             </a:r>
             <a:br>
               <a:rPr lang="en-US" sz="2000" dirty="0">
@@ -2754,8 +2754,8 @@
         </p:nvSpPr>
         <p:spPr>
           <a:xfrm>
-            <a:off x="683259" y="6111875"/>
-            <a:ext cx="1230630" cy="335280"/>
+            <a:off x="558165" y="5528420"/>
+            <a:ext cx="7214235" cy="570669"/>
           </a:xfrm>
           <a:prstGeom prst="rect">
             <a:avLst/>
@@ -2776,7 +2776,7 @@
               </a:spcBef>
             </a:pPr>
             <a:r>
-              <a:rPr sz="2000" u="sng" dirty="0">
+              <a:rPr lang="en-IN" u="sng" dirty="0">
                 <a:solidFill>
                   <a:srgbClr val="006FC0"/>
                 </a:solidFill>
@@ -2787,43 +2787,10 @@
                 </a:uFill>
                 <a:latin typeface="Trebuchet MS"/>
                 <a:cs typeface="Trebuchet MS"/>
-                <a:hlinkClick r:id="rId3"/>
-              </a:rPr>
-              <a:t>Demo</a:t>
-            </a:r>
-            <a:r>
-              <a:rPr sz="2000" u="sng" spc="10" dirty="0">
-                <a:solidFill>
-                  <a:srgbClr val="006FC0"/>
-                </a:solidFill>
-                <a:uFill>
-                  <a:solidFill>
-                    <a:srgbClr val="006FC0"/>
-                  </a:solidFill>
-                </a:uFill>
-                <a:latin typeface="Trebuchet MS"/>
-                <a:cs typeface="Trebuchet MS"/>
-                <a:hlinkClick r:id="rId3"/>
-              </a:rPr>
-              <a:t> </a:t>
-            </a:r>
-            <a:r>
-              <a:rPr sz="2000" u="sng" spc="-20" dirty="0">
-                <a:solidFill>
-                  <a:srgbClr val="006FC0"/>
-                </a:solidFill>
-                <a:uFill>
-                  <a:solidFill>
-                    <a:srgbClr val="006FC0"/>
-                  </a:solidFill>
-                </a:uFill>
-                <a:latin typeface="Trebuchet MS"/>
-                <a:cs typeface="Trebuchet MS"/>
-                <a:hlinkClick r:id="rId3"/>
-              </a:rPr>
-              <a:t>Link</a:t>
-            </a:r>
-            <a:endParaRPr sz="2000">
+              </a:rPr>
+              <a:t>https://github.com/rishikaandh/TNSDC_Gen_AI/blob/main/TNSDC_GEN_AI_predictive_maintanence.ipynb.ipynb</a:t>
+            </a:r>
+            <a:endParaRPr lang="en-IN" dirty="0">
               <a:latin typeface="Trebuchet MS"/>
               <a:cs typeface="Trebuchet MS"/>
             </a:endParaRPr>
